--- a/notebook/slides.pptx
+++ b/notebook/slides.pptx
@@ -14,11 +14,11 @@
     <p:sldId id="404" r:id="rId5"/>
     <p:sldId id="500" r:id="rId6"/>
     <p:sldId id="505" r:id="rId7"/>
-    <p:sldId id="501" r:id="rId8"/>
-    <p:sldId id="502" r:id="rId9"/>
-    <p:sldId id="504" r:id="rId10"/>
-    <p:sldId id="503" r:id="rId11"/>
-    <p:sldId id="498" r:id="rId12"/>
+    <p:sldId id="498" r:id="rId8"/>
+    <p:sldId id="501" r:id="rId9"/>
+    <p:sldId id="502" r:id="rId10"/>
+    <p:sldId id="504" r:id="rId11"/>
+    <p:sldId id="503" r:id="rId12"/>
     <p:sldId id="499" r:id="rId13"/>
     <p:sldId id="445" r:id="rId14"/>
   </p:sldIdLst>
@@ -303,7 +303,7 @@
                 <a:latin typeface="Arial"/>
               </a:rPr>
               <a:pPr/>
-              <a:t>11/10/19</a:t>
+              <a:t>11/13/19</a:t>
             </a:fld>
             <a:endParaRPr lang="en-US" dirty="0">
               <a:latin typeface="Arial"/>
@@ -478,7 +478,7 @@
             <a:fld id="{0D9388F9-BBE0-4140-B117-E6645BD5AD37}" type="datetimeFigureOut">
               <a:rPr lang="en-US" smtClean="0"/>
               <a:pPr/>
-              <a:t>11/10/19</a:t>
+              <a:t>11/13/19</a:t>
             </a:fld>
             <a:endParaRPr lang="en-US" dirty="0"/>
           </a:p>
@@ -1059,7 +1059,7 @@
             <a:fld id="{4D85330D-2017-4CFB-B1F9-CC0631223C76}" type="slidenum">
               <a:rPr lang="en-US" smtClean="0"/>
               <a:pPr/>
-              <a:t>4</a:t>
+              <a:t>5</a:t>
             </a:fld>
             <a:endParaRPr lang="en-US" dirty="0"/>
           </a:p>
@@ -1349,7 +1349,7 @@
           <a:p>
             <a:fld id="{B4901643-A4DF-49C9-A991-A232A889FFF7}" type="datetime1">
               <a:rPr lang="en-US" smtClean="0"/>
-              <a:t>11/10/19</a:t>
+              <a:t>11/13/19</a:t>
             </a:fld>
             <a:endParaRPr lang="en-US" dirty="0"/>
           </a:p>
@@ -1553,7 +1553,7 @@
           <a:p>
             <a:fld id="{A17BAC37-00CF-46BB-AEC4-5D4B8F54E585}" type="datetime1">
               <a:rPr lang="en-US" smtClean="0"/>
-              <a:t>11/10/19</a:t>
+              <a:t>11/13/19</a:t>
             </a:fld>
             <a:endParaRPr lang="en-US" dirty="0"/>
           </a:p>
@@ -1921,7 +1921,7 @@
           <a:p>
             <a:fld id="{A17BAC37-00CF-46BB-AEC4-5D4B8F54E585}" type="datetime1">
               <a:rPr lang="en-US" smtClean="0"/>
-              <a:t>11/10/19</a:t>
+              <a:t>11/13/19</a:t>
             </a:fld>
             <a:endParaRPr lang="en-US" dirty="0"/>
           </a:p>
@@ -2580,7 +2580,7 @@
           <a:p>
             <a:fld id="{99487E0E-B4C3-432D-9F7D-59D558A31597}" type="datetime1">
               <a:rPr lang="en-US" smtClean="0"/>
-              <a:t>11/10/19</a:t>
+              <a:t>11/13/19</a:t>
             </a:fld>
             <a:endParaRPr lang="en-US" dirty="0"/>
           </a:p>
@@ -2989,7 +2989,7 @@
           <a:p>
             <a:fld id="{203CAC33-E69A-4897-904A-964B4D63FF6B}" type="datetime1">
               <a:rPr lang="en-US" smtClean="0"/>
-              <a:t>11/10/19</a:t>
+              <a:t>11/13/19</a:t>
             </a:fld>
             <a:endParaRPr lang="en-US" dirty="0"/>
           </a:p>
@@ -3182,7 +3182,7 @@
           <a:p>
             <a:fld id="{8ECCA450-D360-41A0-88A4-4AAD387FC509}" type="datetime1">
               <a:rPr lang="en-US" smtClean="0"/>
-              <a:t>11/10/19</a:t>
+              <a:t>11/13/19</a:t>
             </a:fld>
             <a:endParaRPr lang="en-US" dirty="0"/>
           </a:p>
@@ -4580,7 +4580,7 @@
           <p:cNvPr id="2" name="Title 1">
             <a:extLst>
               <a:ext uri="{FF2B5EF4-FFF2-40B4-BE49-F238E27FC236}">
-                <a16:creationId xmlns:a16="http://schemas.microsoft.com/office/drawing/2014/main" id="{2BFED238-D238-1A4F-A93E-F68742F59D02}"/>
+                <a16:creationId xmlns:a16="http://schemas.microsoft.com/office/drawing/2014/main" id="{F60D73CF-F527-1F4D-899F-EFB7F111069D}"/>
               </a:ext>
             </a:extLst>
           </p:cNvPr>
@@ -4598,7 +4598,7 @@
           <a:p>
             <a:r>
               <a:rPr lang="en-US" dirty="0"/>
-              <a:t>Data Acquisition</a:t>
+              <a:t>An Online Demo for Box-office Prediction</a:t>
             </a:r>
           </a:p>
         </p:txBody>
@@ -4608,7 +4608,7 @@
           <p:cNvPr id="3" name="Content Placeholder 2">
             <a:extLst>
               <a:ext uri="{FF2B5EF4-FFF2-40B4-BE49-F238E27FC236}">
-                <a16:creationId xmlns:a16="http://schemas.microsoft.com/office/drawing/2014/main" id="{70EE44C4-1ECD-2C42-90A0-9843FAA64497}"/>
+                <a16:creationId xmlns:a16="http://schemas.microsoft.com/office/drawing/2014/main" id="{DE5DBA94-E23F-B84C-95AA-187880340D20}"/>
               </a:ext>
             </a:extLst>
           </p:cNvPr>
@@ -4619,81 +4619,26 @@
             <p:ph idx="1"/>
           </p:nvPr>
         </p:nvSpPr>
-        <p:spPr/>
-        <p:txBody>
-          <a:bodyPr>
-            <a:normAutofit fontScale="92500" lnSpcReduction="10000"/>
-          </a:bodyPr>
+        <p:spPr>
+          <a:xfrm>
+            <a:off x="609600" y="1263077"/>
+            <a:ext cx="10972800" cy="736204"/>
+          </a:xfrm>
+        </p:spPr>
+        <p:txBody>
+          <a:bodyPr/>
           <a:lstStyle/>
           <a:p>
             <a:r>
               <a:rPr lang="en-US" dirty="0"/>
-              <a:t>Data Source:</a:t>
-            </a:r>
-          </a:p>
-          <a:p>
-            <a:pPr lvl="1"/>
-            <a:r>
-              <a:rPr lang="en-US" dirty="0"/>
-              <a:t>IMDb official website</a:t>
-            </a:r>
-          </a:p>
-          <a:p>
-            <a:pPr lvl="1"/>
-            <a:r>
-              <a:rPr lang="en-US" dirty="0"/>
-              <a:t>Crawler</a:t>
-            </a:r>
-          </a:p>
-          <a:p>
-            <a:endParaRPr lang="en-US" dirty="0"/>
-          </a:p>
-          <a:p>
-            <a:r>
-              <a:rPr lang="en-US" dirty="0"/>
-              <a:t>Technologies in use</a:t>
-            </a:r>
-          </a:p>
-          <a:p>
-            <a:pPr lvl="1"/>
-            <a:r>
-              <a:rPr lang="en-US" dirty="0"/>
-              <a:t>Python, Pandas, </a:t>
-            </a:r>
-            <a:r>
-              <a:rPr lang="en-US" dirty="0" err="1"/>
-              <a:t>PyQuery</a:t>
-            </a:r>
-            <a:r>
-              <a:rPr lang="en-US" dirty="0"/>
-              <a:t>, requests</a:t>
-            </a:r>
-          </a:p>
-          <a:p>
-            <a:endParaRPr lang="en-US" dirty="0"/>
-          </a:p>
-          <a:p>
-            <a:r>
-              <a:rPr lang="en-US" dirty="0"/>
-              <a:t>Data Acquisition</a:t>
-            </a:r>
-          </a:p>
-          <a:p>
-            <a:pPr lvl="1"/>
-            <a:r>
-              <a:rPr lang="en-US" dirty="0"/>
-              <a:t>Collected 8278 records including:</a:t>
-            </a:r>
-          </a:p>
-          <a:p>
-            <a:pPr lvl="1"/>
-            <a:r>
-              <a:rPr lang="en-US" dirty="0"/>
-              <a:t>Titles, Budgets, Box Offices, Years, Directors, Actors, Ratings and etc.</a:t>
-            </a:r>
-          </a:p>
-          <a:p>
-            <a:pPr lvl="1"/>
+              <a:t>Website URL: </a:t>
+            </a:r>
+            <a:r>
+              <a:rPr lang="en-US" dirty="0">
+                <a:hlinkClick r:id="rId2"/>
+              </a:rPr>
+              <a:t>https://ce7454.pupboss.com</a:t>
+            </a:r>
             <a:endParaRPr lang="en-US" dirty="0"/>
           </a:p>
         </p:txBody>
@@ -4703,7 +4648,7 @@
           <p:cNvPr id="4" name="Slide Number Placeholder 3">
             <a:extLst>
               <a:ext uri="{FF2B5EF4-FFF2-40B4-BE49-F238E27FC236}">
-                <a16:creationId xmlns:a16="http://schemas.microsoft.com/office/drawing/2014/main" id="{E8C6776B-2F8E-1D4D-8B5A-2652F7488A6F}"/>
+                <a16:creationId xmlns:a16="http://schemas.microsoft.com/office/drawing/2014/main" id="{CD3B3CCE-CE8B-134D-857D-F2B5153D00D2}"/>
               </a:ext>
             </a:extLst>
           </p:cNvPr>
@@ -4727,10 +4672,82 @@
           </a:p>
         </p:txBody>
       </p:sp>
+      <p:pic>
+        <p:nvPicPr>
+          <p:cNvPr id="5" name="Picture 4">
+            <a:extLst>
+              <a:ext uri="{FF2B5EF4-FFF2-40B4-BE49-F238E27FC236}">
+                <a16:creationId xmlns:a16="http://schemas.microsoft.com/office/drawing/2014/main" id="{72D9095C-0CE6-BB4E-9D04-074AE1FC9191}"/>
+              </a:ext>
+            </a:extLst>
+          </p:cNvPr>
+          <p:cNvPicPr>
+            <a:picLocks noChangeAspect="1"/>
+          </p:cNvPicPr>
+          <p:nvPr/>
+        </p:nvPicPr>
+        <p:blipFill>
+          <a:blip r:embed="rId3" cstate="hqprint">
+            <a:extLst>
+              <a:ext uri="{28A0092B-C50C-407E-A947-70E740481C1C}">
+                <a14:useLocalDpi xmlns:a14="http://schemas.microsoft.com/office/drawing/2010/main"/>
+              </a:ext>
+            </a:extLst>
+          </a:blip>
+          <a:stretch>
+            <a:fillRect/>
+          </a:stretch>
+        </p:blipFill>
+        <p:spPr>
+          <a:xfrm>
+            <a:off x="604633" y="2485541"/>
+            <a:ext cx="5266281" cy="3264329"/>
+          </a:xfrm>
+          <a:prstGeom prst="rect">
+            <a:avLst/>
+          </a:prstGeom>
+        </p:spPr>
+      </p:pic>
+      <p:pic>
+        <p:nvPicPr>
+          <p:cNvPr id="6" name="Picture 5">
+            <a:extLst>
+              <a:ext uri="{FF2B5EF4-FFF2-40B4-BE49-F238E27FC236}">
+                <a16:creationId xmlns:a16="http://schemas.microsoft.com/office/drawing/2014/main" id="{CD831750-C89D-744C-9B8B-96F7FE1AA41A}"/>
+              </a:ext>
+            </a:extLst>
+          </p:cNvPr>
+          <p:cNvPicPr>
+            <a:picLocks noChangeAspect="1"/>
+          </p:cNvPicPr>
+          <p:nvPr/>
+        </p:nvPicPr>
+        <p:blipFill>
+          <a:blip r:embed="rId4" cstate="hqprint">
+            <a:extLst>
+              <a:ext uri="{28A0092B-C50C-407E-A947-70E740481C1C}">
+                <a14:useLocalDpi xmlns:a14="http://schemas.microsoft.com/office/drawing/2010/main"/>
+              </a:ext>
+            </a:extLst>
+          </a:blip>
+          <a:stretch>
+            <a:fillRect/>
+          </a:stretch>
+        </p:blipFill>
+        <p:spPr>
+          <a:xfrm>
+            <a:off x="6316119" y="2485541"/>
+            <a:ext cx="5266281" cy="3264329"/>
+          </a:xfrm>
+          <a:prstGeom prst="rect">
+            <a:avLst/>
+          </a:prstGeom>
+        </p:spPr>
+      </p:pic>
     </p:spTree>
     <p:extLst>
       <p:ext uri="{BB962C8B-B14F-4D97-AF65-F5344CB8AC3E}">
-        <p14:creationId xmlns:p14="http://schemas.microsoft.com/office/powerpoint/2010/main" val="3720494184"/>
+        <p14:creationId xmlns:p14="http://schemas.microsoft.com/office/powerpoint/2010/main" val="2917708399"/>
       </p:ext>
     </p:extLst>
   </p:cSld>
@@ -4780,7 +4797,7 @@
           <a:p>
             <a:r>
               <a:rPr lang="en-US" dirty="0"/>
-              <a:t>Data Cleaning</a:t>
+              <a:t>Data Acquisition</a:t>
             </a:r>
           </a:p>
         </p:txBody>
@@ -4803,9 +4820,79 @@
         </p:nvSpPr>
         <p:spPr/>
         <p:txBody>
-          <a:bodyPr/>
+          <a:bodyPr>
+            <a:normAutofit fontScale="92500" lnSpcReduction="10000"/>
+          </a:bodyPr>
           <a:lstStyle/>
           <a:p>
+            <a:r>
+              <a:rPr lang="en-US" dirty="0"/>
+              <a:t>Data Source:</a:t>
+            </a:r>
+          </a:p>
+          <a:p>
+            <a:pPr lvl="1"/>
+            <a:r>
+              <a:rPr lang="en-US" dirty="0"/>
+              <a:t>IMDb official website</a:t>
+            </a:r>
+          </a:p>
+          <a:p>
+            <a:pPr lvl="1"/>
+            <a:r>
+              <a:rPr lang="en-US" dirty="0"/>
+              <a:t>Crawler</a:t>
+            </a:r>
+          </a:p>
+          <a:p>
+            <a:endParaRPr lang="en-US" dirty="0"/>
+          </a:p>
+          <a:p>
+            <a:r>
+              <a:rPr lang="en-US" dirty="0"/>
+              <a:t>Technologies in use</a:t>
+            </a:r>
+          </a:p>
+          <a:p>
+            <a:pPr lvl="1"/>
+            <a:r>
+              <a:rPr lang="en-US" dirty="0"/>
+              <a:t>Python, Pandas, </a:t>
+            </a:r>
+            <a:r>
+              <a:rPr lang="en-US" dirty="0" err="1"/>
+              <a:t>PyQuery</a:t>
+            </a:r>
+            <a:r>
+              <a:rPr lang="en-US" dirty="0"/>
+              <a:t>, requests</a:t>
+            </a:r>
+          </a:p>
+          <a:p>
+            <a:endParaRPr lang="en-US" dirty="0"/>
+          </a:p>
+          <a:p>
+            <a:r>
+              <a:rPr lang="en-US" dirty="0"/>
+              <a:t>Data Acquisition</a:t>
+            </a:r>
+          </a:p>
+          <a:p>
+            <a:pPr lvl="1"/>
+            <a:r>
+              <a:rPr lang="en-US" dirty="0"/>
+              <a:t>Collected 8278 records including:</a:t>
+            </a:r>
+          </a:p>
+          <a:p>
+            <a:pPr lvl="1"/>
+            <a:r>
+              <a:rPr lang="en-US" dirty="0"/>
+              <a:t>Titles, Budgets, Box Offices, Years, Directors, Actors, Ratings and etc.</a:t>
+            </a:r>
+          </a:p>
+          <a:p>
+            <a:pPr lvl="1"/>
             <a:endParaRPr lang="en-US" dirty="0"/>
           </a:p>
         </p:txBody>
@@ -4842,7 +4929,7 @@
     </p:spTree>
     <p:extLst>
       <p:ext uri="{BB962C8B-B14F-4D97-AF65-F5344CB8AC3E}">
-        <p14:creationId xmlns:p14="http://schemas.microsoft.com/office/powerpoint/2010/main" val="2518601604"/>
+        <p14:creationId xmlns:p14="http://schemas.microsoft.com/office/powerpoint/2010/main" val="3720494184"/>
       </p:ext>
     </p:extLst>
   </p:cSld>
@@ -4892,7 +4979,7 @@
           <a:p>
             <a:r>
               <a:rPr lang="en-US" dirty="0"/>
-              <a:t>Deep Learning Network</a:t>
+              <a:t>Data Cleaning</a:t>
             </a:r>
           </a:p>
         </p:txBody>
@@ -4954,7 +5041,7 @@
     </p:spTree>
     <p:extLst>
       <p:ext uri="{BB962C8B-B14F-4D97-AF65-F5344CB8AC3E}">
-        <p14:creationId xmlns:p14="http://schemas.microsoft.com/office/powerpoint/2010/main" val="2852128074"/>
+        <p14:creationId xmlns:p14="http://schemas.microsoft.com/office/powerpoint/2010/main" val="2518601604"/>
       </p:ext>
     </p:extLst>
   </p:cSld>
@@ -5004,7 +5091,7 @@
           <a:p>
             <a:r>
               <a:rPr lang="en-US" dirty="0"/>
-              <a:t>Results Analysis</a:t>
+              <a:t>Deep Learning Network</a:t>
             </a:r>
           </a:p>
         </p:txBody>
@@ -5066,7 +5153,7 @@
     </p:spTree>
     <p:extLst>
       <p:ext uri="{BB962C8B-B14F-4D97-AF65-F5344CB8AC3E}">
-        <p14:creationId xmlns:p14="http://schemas.microsoft.com/office/powerpoint/2010/main" val="2370930411"/>
+        <p14:creationId xmlns:p14="http://schemas.microsoft.com/office/powerpoint/2010/main" val="2852128074"/>
       </p:ext>
     </p:extLst>
   </p:cSld>
@@ -5098,7 +5185,7 @@
           <p:cNvPr id="2" name="Title 1">
             <a:extLst>
               <a:ext uri="{FF2B5EF4-FFF2-40B4-BE49-F238E27FC236}">
-                <a16:creationId xmlns:a16="http://schemas.microsoft.com/office/drawing/2014/main" id="{F60D73CF-F527-1F4D-899F-EFB7F111069D}"/>
+                <a16:creationId xmlns:a16="http://schemas.microsoft.com/office/drawing/2014/main" id="{2BFED238-D238-1A4F-A93E-F68742F59D02}"/>
               </a:ext>
             </a:extLst>
           </p:cNvPr>
@@ -5116,7 +5203,7 @@
           <a:p>
             <a:r>
               <a:rPr lang="en-US" dirty="0"/>
-              <a:t>An Online Demo for Box-office Prediction</a:t>
+              <a:t>Results Analysis</a:t>
             </a:r>
           </a:p>
         </p:txBody>
@@ -5126,7 +5213,7 @@
           <p:cNvPr id="3" name="Content Placeholder 2">
             <a:extLst>
               <a:ext uri="{FF2B5EF4-FFF2-40B4-BE49-F238E27FC236}">
-                <a16:creationId xmlns:a16="http://schemas.microsoft.com/office/drawing/2014/main" id="{DE5DBA94-E23F-B84C-95AA-187880340D20}"/>
+                <a16:creationId xmlns:a16="http://schemas.microsoft.com/office/drawing/2014/main" id="{70EE44C4-1ECD-2C42-90A0-9843FAA64497}"/>
               </a:ext>
             </a:extLst>
           </p:cNvPr>
@@ -5137,43 +5224,12 @@
             <p:ph idx="1"/>
           </p:nvPr>
         </p:nvSpPr>
-        <p:spPr>
-          <a:xfrm>
-            <a:off x="609600" y="1263077"/>
-            <a:ext cx="10972800" cy="4661734"/>
-          </a:xfrm>
-        </p:spPr>
+        <p:spPr/>
         <p:txBody>
           <a:bodyPr/>
           <a:lstStyle/>
           <a:p>
-            <a:r>
-              <a:rPr lang="en-US" dirty="0"/>
-              <a:t>Website URL: https://</a:t>
-            </a:r>
-            <a:r>
-              <a:rPr lang="en-US" dirty="0" err="1"/>
-              <a:t>xxx.xxx.com</a:t>
-            </a:r>
-            <a:r>
-              <a:rPr lang="en-US" dirty="0"/>
-              <a:t> </a:t>
-            </a:r>
-          </a:p>
-          <a:p>
             <a:endParaRPr lang="en-US" dirty="0"/>
-          </a:p>
-          <a:p>
-            <a:endParaRPr lang="en-US" dirty="0"/>
-          </a:p>
-          <a:p>
-            <a:endParaRPr lang="en-US" dirty="0"/>
-          </a:p>
-          <a:p>
-            <a:r>
-              <a:rPr lang="en-US" dirty="0"/>
-              <a:t>Picture here</a:t>
-            </a:r>
           </a:p>
         </p:txBody>
       </p:sp>
@@ -5182,7 +5238,7 @@
           <p:cNvPr id="4" name="Slide Number Placeholder 3">
             <a:extLst>
               <a:ext uri="{FF2B5EF4-FFF2-40B4-BE49-F238E27FC236}">
-                <a16:creationId xmlns:a16="http://schemas.microsoft.com/office/drawing/2014/main" id="{CD3B3CCE-CE8B-134D-857D-F2B5153D00D2}"/>
+                <a16:creationId xmlns:a16="http://schemas.microsoft.com/office/drawing/2014/main" id="{E8C6776B-2F8E-1D4D-8B5A-2652F7488A6F}"/>
               </a:ext>
             </a:extLst>
           </p:cNvPr>
@@ -5209,7 +5265,7 @@
     </p:spTree>
     <p:extLst>
       <p:ext uri="{BB962C8B-B14F-4D97-AF65-F5344CB8AC3E}">
-        <p14:creationId xmlns:p14="http://schemas.microsoft.com/office/powerpoint/2010/main" val="2917708399"/>
+        <p14:creationId xmlns:p14="http://schemas.microsoft.com/office/powerpoint/2010/main" val="2370930411"/>
       </p:ext>
     </p:extLst>
   </p:cSld>
@@ -5368,7 +5424,7 @@
           <a:p>
             <a:r>
               <a:rPr lang="en-US" dirty="0"/>
-              <a:t>Online Demo Development: Li </a:t>
+              <a:t>Online Demo and backend: Li </a:t>
             </a:r>
             <a:r>
               <a:rPr lang="en-US" dirty="0" err="1"/>
@@ -6329,12 +6385,6 @@
 </file>
 
 <file path=customXml/item1.xml><?xml version="1.0" encoding="utf-8"?>
-<p:properties xmlns:p="http://schemas.microsoft.com/office/2006/metadata/properties" xmlns:xsi="http://www.w3.org/2001/XMLSchema-instance" xmlns:pc="http://schemas.microsoft.com/office/infopath/2007/PartnerControls">
-  <documentManagement/>
-</p:properties>
-</file>
-
-<file path=customXml/item2.xml><?xml version="1.0" encoding="utf-8"?>
 <ct:contentTypeSchema xmlns:ct="http://schemas.microsoft.com/office/2006/metadata/contentType" xmlns:ma="http://schemas.microsoft.com/office/2006/metadata/properties/metaAttributes" ct:_="" ma:_="" ma:contentTypeName="Document" ma:contentTypeID="0x010100E78CF4A4C5CFA14093AD80396CFB36DC" ma:contentTypeVersion="2" ma:contentTypeDescription="Create a new document." ma:contentTypeScope="" ma:versionID="d466598576a20513c23db937673084ac">
   <xsd:schema xmlns:xsd="http://www.w3.org/2001/XMLSchema" xmlns:xs="http://www.w3.org/2001/XMLSchema" xmlns:p="http://schemas.microsoft.com/office/2006/metadata/properties" targetNamespace="http://schemas.microsoft.com/office/2006/metadata/properties" ma:root="true" ma:fieldsID="1b05d82d297216baf5b26c55225140df">
     <xsd:element name="properties">
@@ -6448,6 +6498,12 @@
 </ct:contentTypeSchema>
 </file>
 
+<file path=customXml/item2.xml><?xml version="1.0" encoding="utf-8"?>
+<p:properties xmlns:p="http://schemas.microsoft.com/office/2006/metadata/properties" xmlns:xsi="http://www.w3.org/2001/XMLSchema-instance" xmlns:pc="http://schemas.microsoft.com/office/infopath/2007/PartnerControls">
+  <documentManagement/>
+</p:properties>
+</file>
+
 <file path=customXml/item3.xml><?xml version="1.0" encoding="utf-8"?>
 <?mso-contentType ?>
 <FormTemplates xmlns="http://schemas.microsoft.com/sharepoint/v3/contenttype/forms">
@@ -6458,21 +6514,6 @@
 </file>
 
 <file path=customXml/itemProps1.xml><?xml version="1.0" encoding="utf-8"?>
-<ds:datastoreItem xmlns:ds="http://schemas.openxmlformats.org/officeDocument/2006/customXml" ds:itemID="{A965FD09-B7AE-443B-89AA-C8D52A60884E}">
-  <ds:schemaRefs>
-    <ds:schemaRef ds:uri="http://schemas.microsoft.com/office/infopath/2007/PartnerControls"/>
-    <ds:schemaRef ds:uri="http://schemas.microsoft.com/office/2006/metadata/properties"/>
-    <ds:schemaRef ds:uri="http://schemas.microsoft.com/office/2006/documentManagement/types"/>
-    <ds:schemaRef ds:uri="http://purl.org/dc/dcmitype/"/>
-    <ds:schemaRef ds:uri="http://www.w3.org/XML/1998/namespace"/>
-    <ds:schemaRef ds:uri="http://purl.org/dc/elements/1.1/"/>
-    <ds:schemaRef ds:uri="http://schemas.openxmlformats.org/package/2006/metadata/core-properties"/>
-    <ds:schemaRef ds:uri="http://purl.org/dc/terms/"/>
-  </ds:schemaRefs>
-</ds:datastoreItem>
-</file>
-
-<file path=customXml/itemProps2.xml><?xml version="1.0" encoding="utf-8"?>
 <ds:datastoreItem xmlns:ds="http://schemas.openxmlformats.org/officeDocument/2006/customXml" ds:itemID="{D11955A5-C4C3-4984-A22B-C14105564752}">
   <ds:schemaRefs>
     <ds:schemaRef ds:uri="http://schemas.microsoft.com/office/2006/metadata/contentType"/>
@@ -6488,6 +6529,21 @@
 </ds:datastoreItem>
 </file>
 
+<file path=customXml/itemProps2.xml><?xml version="1.0" encoding="utf-8"?>
+<ds:datastoreItem xmlns:ds="http://schemas.openxmlformats.org/officeDocument/2006/customXml" ds:itemID="{A965FD09-B7AE-443B-89AA-C8D52A60884E}">
+  <ds:schemaRefs>
+    <ds:schemaRef ds:uri="http://schemas.microsoft.com/office/infopath/2007/PartnerControls"/>
+    <ds:schemaRef ds:uri="http://schemas.microsoft.com/office/2006/metadata/properties"/>
+    <ds:schemaRef ds:uri="http://schemas.microsoft.com/office/2006/documentManagement/types"/>
+    <ds:schemaRef ds:uri="http://purl.org/dc/dcmitype/"/>
+    <ds:schemaRef ds:uri="http://www.w3.org/XML/1998/namespace"/>
+    <ds:schemaRef ds:uri="http://purl.org/dc/elements/1.1/"/>
+    <ds:schemaRef ds:uri="http://schemas.openxmlformats.org/package/2006/metadata/core-properties"/>
+    <ds:schemaRef ds:uri="http://purl.org/dc/terms/"/>
+  </ds:schemaRefs>
+</ds:datastoreItem>
+</file>
+
 <file path=customXml/itemProps3.xml><?xml version="1.0" encoding="utf-8"?>
 <ds:datastoreItem xmlns:ds="http://schemas.openxmlformats.org/officeDocument/2006/customXml" ds:itemID="{BE2BEE75-A49B-4C72-8AFF-C362B30303A1}">
   <ds:schemaRefs>
